--- a/2_attribute/2_new/0_program/0_flowchart/AttributeProgram_flowchart.pptx
+++ b/2_attribute/2_new/0_program/0_flowchart/AttributeProgram_flowchart.pptx
@@ -3337,11 +3337,7 @@
             </a:r>
             <a:r>
               <a:rPr lang="en-US" altLang="ko-KR" sz="2800" b="1" dirty="0" smtClean="0"/>
-              <a:t> </a:t>
-            </a:r>
-            <a:r>
-              <a:rPr lang="en-US" altLang="ko-KR" sz="2800" b="1" dirty="0" smtClean="0"/>
-              <a:t>Class</a:t>
+              <a:t> Class</a:t>
             </a:r>
             <a:endParaRPr lang="ko-KR" altLang="en-US" sz="2800" b="1" dirty="0"/>
           </a:p>
@@ -6388,11 +6384,7 @@
             </a:r>
             <a:r>
               <a:rPr lang="en-US" altLang="ko-KR" sz="2800" b="1" dirty="0" smtClean="0"/>
-              <a:t> </a:t>
-            </a:r>
-            <a:r>
-              <a:rPr lang="en-US" altLang="ko-KR" sz="2800" b="1" dirty="0" smtClean="0"/>
-              <a:t>Class</a:t>
+              <a:t> Class</a:t>
             </a:r>
             <a:endParaRPr lang="ko-KR" altLang="en-US" sz="2800" b="1" dirty="0"/>
           </a:p>
@@ -8301,11 +8293,7 @@
             </a:r>
             <a:r>
               <a:rPr lang="en-US" altLang="ko-KR" sz="2800" b="1" dirty="0" smtClean="0"/>
-              <a:t> </a:t>
-            </a:r>
-            <a:r>
-              <a:rPr lang="en-US" altLang="ko-KR" sz="2800" b="1" dirty="0" smtClean="0"/>
-              <a:t>Class</a:t>
+              <a:t> Class</a:t>
             </a:r>
             <a:endParaRPr lang="ko-KR" altLang="en-US" sz="2800" b="1" dirty="0"/>
           </a:p>
@@ -9965,11 +9953,7 @@
             </a:r>
             <a:r>
               <a:rPr lang="en-US" altLang="ko-KR" sz="2800" b="1" dirty="0" smtClean="0"/>
-              <a:t> </a:t>
-            </a:r>
-            <a:r>
-              <a:rPr lang="en-US" altLang="ko-KR" sz="2800" b="1" dirty="0" smtClean="0"/>
-              <a:t>Class</a:t>
+              <a:t> Class</a:t>
             </a:r>
             <a:endParaRPr lang="ko-KR" altLang="en-US" sz="2800" b="1" dirty="0"/>
           </a:p>
@@ -11128,11 +11112,7 @@
             </a:r>
             <a:r>
               <a:rPr lang="en-US" altLang="ko-KR" sz="2800" b="1" dirty="0" smtClean="0"/>
-              <a:t> </a:t>
-            </a:r>
-            <a:r>
-              <a:rPr lang="en-US" altLang="ko-KR" sz="2800" b="1" dirty="0" smtClean="0"/>
-              <a:t>Class</a:t>
+              <a:t> Class</a:t>
             </a:r>
             <a:endParaRPr lang="ko-KR" altLang="en-US" sz="2800" b="1" dirty="0"/>
           </a:p>
